--- a/ОтчётV2.0.pptx
+++ b/ОтчётV2.0.pptx
@@ -19,8 +19,9 @@
     <p:sldId id="268" r:id="rId13"/>
     <p:sldId id="270" r:id="rId14"/>
     <p:sldId id="276" r:id="rId15"/>
-    <p:sldId id="272" r:id="rId16"/>
-    <p:sldId id="278" r:id="rId17"/>
+    <p:sldId id="279" r:id="rId16"/>
+    <p:sldId id="272" r:id="rId17"/>
+    <p:sldId id="278" r:id="rId18"/>
   </p:sldIdLst>
   <p:sldSz cx="12192000" cy="6858000"/>
   <p:notesSz cx="6858000" cy="9144000"/>
@@ -286,7 +287,7 @@
           <a:p>
             <a:fld id="{DDFEEDCF-F5FB-48B3-9CB0-E12B8504E8D1}" type="datetimeFigureOut">
               <a:rPr lang="ru-RU" smtClean="0"/>
-              <a:t>19.05.2022</a:t>
+              <a:t>20.05.2022</a:t>
             </a:fld>
             <a:endParaRPr lang="ru-RU" dirty="0"/>
           </a:p>
@@ -484,7 +485,7 @@
           <a:p>
             <a:fld id="{DDFEEDCF-F5FB-48B3-9CB0-E12B8504E8D1}" type="datetimeFigureOut">
               <a:rPr lang="ru-RU" smtClean="0"/>
-              <a:t>19.05.2022</a:t>
+              <a:t>20.05.2022</a:t>
             </a:fld>
             <a:endParaRPr lang="ru-RU" dirty="0"/>
           </a:p>
@@ -692,7 +693,7 @@
           <a:p>
             <a:fld id="{DDFEEDCF-F5FB-48B3-9CB0-E12B8504E8D1}" type="datetimeFigureOut">
               <a:rPr lang="ru-RU" smtClean="0"/>
-              <a:t>19.05.2022</a:t>
+              <a:t>20.05.2022</a:t>
             </a:fld>
             <a:endParaRPr lang="ru-RU" dirty="0"/>
           </a:p>
@@ -890,7 +891,7 @@
           <a:p>
             <a:fld id="{DDFEEDCF-F5FB-48B3-9CB0-E12B8504E8D1}" type="datetimeFigureOut">
               <a:rPr lang="ru-RU" smtClean="0"/>
-              <a:t>19.05.2022</a:t>
+              <a:t>20.05.2022</a:t>
             </a:fld>
             <a:endParaRPr lang="ru-RU" dirty="0"/>
           </a:p>
@@ -1165,7 +1166,7 @@
           <a:p>
             <a:fld id="{DDFEEDCF-F5FB-48B3-9CB0-E12B8504E8D1}" type="datetimeFigureOut">
               <a:rPr lang="ru-RU" smtClean="0"/>
-              <a:t>19.05.2022</a:t>
+              <a:t>20.05.2022</a:t>
             </a:fld>
             <a:endParaRPr lang="ru-RU" dirty="0"/>
           </a:p>
@@ -1430,7 +1431,7 @@
           <a:p>
             <a:fld id="{DDFEEDCF-F5FB-48B3-9CB0-E12B8504E8D1}" type="datetimeFigureOut">
               <a:rPr lang="ru-RU" smtClean="0"/>
-              <a:t>19.05.2022</a:t>
+              <a:t>20.05.2022</a:t>
             </a:fld>
             <a:endParaRPr lang="ru-RU" dirty="0"/>
           </a:p>
@@ -1842,7 +1843,7 @@
           <a:p>
             <a:fld id="{DDFEEDCF-F5FB-48B3-9CB0-E12B8504E8D1}" type="datetimeFigureOut">
               <a:rPr lang="ru-RU" smtClean="0"/>
-              <a:t>19.05.2022</a:t>
+              <a:t>20.05.2022</a:t>
             </a:fld>
             <a:endParaRPr lang="ru-RU" dirty="0"/>
           </a:p>
@@ -1983,7 +1984,7 @@
           <a:p>
             <a:fld id="{DDFEEDCF-F5FB-48B3-9CB0-E12B8504E8D1}" type="datetimeFigureOut">
               <a:rPr lang="ru-RU" smtClean="0"/>
-              <a:t>19.05.2022</a:t>
+              <a:t>20.05.2022</a:t>
             </a:fld>
             <a:endParaRPr lang="ru-RU" dirty="0"/>
           </a:p>
@@ -2096,7 +2097,7 @@
           <a:p>
             <a:fld id="{DDFEEDCF-F5FB-48B3-9CB0-E12B8504E8D1}" type="datetimeFigureOut">
               <a:rPr lang="ru-RU" smtClean="0"/>
-              <a:t>19.05.2022</a:t>
+              <a:t>20.05.2022</a:t>
             </a:fld>
             <a:endParaRPr lang="ru-RU" dirty="0"/>
           </a:p>
@@ -2407,7 +2408,7 @@
           <a:p>
             <a:fld id="{DDFEEDCF-F5FB-48B3-9CB0-E12B8504E8D1}" type="datetimeFigureOut">
               <a:rPr lang="ru-RU" smtClean="0"/>
-              <a:t>19.05.2022</a:t>
+              <a:t>20.05.2022</a:t>
             </a:fld>
             <a:endParaRPr lang="ru-RU" dirty="0"/>
           </a:p>
@@ -2695,7 +2696,7 @@
           <a:p>
             <a:fld id="{DDFEEDCF-F5FB-48B3-9CB0-E12B8504E8D1}" type="datetimeFigureOut">
               <a:rPr lang="ru-RU" smtClean="0"/>
-              <a:t>19.05.2022</a:t>
+              <a:t>20.05.2022</a:t>
             </a:fld>
             <a:endParaRPr lang="ru-RU" dirty="0"/>
           </a:p>
@@ -2936,7 +2937,7 @@
           <a:p>
             <a:fld id="{DDFEEDCF-F5FB-48B3-9CB0-E12B8504E8D1}" type="datetimeFigureOut">
               <a:rPr lang="ru-RU" smtClean="0"/>
-              <a:t>19.05.2022</a:t>
+              <a:t>20.05.2022</a:t>
             </a:fld>
             <a:endParaRPr lang="ru-RU" dirty="0"/>
           </a:p>
@@ -3607,13 +3608,13 @@
         </p:nvSpPr>
         <p:spPr>
           <a:xfrm>
-            <a:off x="6096000" y="1108061"/>
-            <a:ext cx="5008901" cy="4571972"/>
+            <a:off x="6096000" y="2235726"/>
+            <a:ext cx="5008901" cy="2061266"/>
           </a:xfrm>
         </p:spPr>
         <p:txBody>
           <a:bodyPr vert="horz" lIns="91440" tIns="45720" rIns="91440" bIns="45720" rtlCol="0" anchor="ctr">
-            <a:normAutofit/>
+            <a:normAutofit lnSpcReduction="10000"/>
           </a:bodyPr>
           <a:lstStyle/>
           <a:p>
@@ -3725,6 +3726,111 @@
           </a:p>
         </p:txBody>
       </p:sp>
+      <p:grpSp>
+        <p:nvGrpSpPr>
+          <p:cNvPr id="12" name="Группа 11">
+            <a:extLst>
+              <a:ext uri="{FF2B5EF4-FFF2-40B4-BE49-F238E27FC236}">
+                <a16:creationId xmlns:a16="http://schemas.microsoft.com/office/drawing/2014/main" id="{E46FB267-B080-3341-F310-9E05E11B700E}"/>
+              </a:ext>
+            </a:extLst>
+          </p:cNvPr>
+          <p:cNvGrpSpPr/>
+          <p:nvPr/>
+        </p:nvGrpSpPr>
+        <p:grpSpPr>
+          <a:xfrm>
+            <a:off x="9560403" y="4226404"/>
+            <a:ext cx="2238018" cy="2238018"/>
+            <a:chOff x="6822858" y="4277388"/>
+            <a:chExt cx="2238018" cy="2238018"/>
+          </a:xfrm>
+        </p:grpSpPr>
+        <p:sp>
+          <p:nvSpPr>
+            <p:cNvPr id="11" name="Прямоугольник 10">
+              <a:extLst>
+                <a:ext uri="{FF2B5EF4-FFF2-40B4-BE49-F238E27FC236}">
+                  <a16:creationId xmlns:a16="http://schemas.microsoft.com/office/drawing/2014/main" id="{4E3637DC-760D-81F7-27B3-FA17CB4B2F25}"/>
+                </a:ext>
+              </a:extLst>
+            </p:cNvPr>
+            <p:cNvSpPr/>
+            <p:nvPr/>
+          </p:nvSpPr>
+          <p:spPr>
+            <a:xfrm>
+              <a:off x="6822858" y="4277388"/>
+              <a:ext cx="2238018" cy="2238018"/>
+            </a:xfrm>
+            <a:prstGeom prst="rect">
+              <a:avLst/>
+            </a:prstGeom>
+            <a:solidFill>
+              <a:schemeClr val="bg1"/>
+            </a:solidFill>
+            <a:ln>
+              <a:solidFill>
+                <a:schemeClr val="accent2"/>
+              </a:solidFill>
+            </a:ln>
+          </p:spPr>
+          <p:style>
+            <a:lnRef idx="2">
+              <a:schemeClr val="accent1">
+                <a:shade val="50000"/>
+              </a:schemeClr>
+            </a:lnRef>
+            <a:fillRef idx="1">
+              <a:schemeClr val="accent1"/>
+            </a:fillRef>
+            <a:effectRef idx="0">
+              <a:schemeClr val="accent1"/>
+            </a:effectRef>
+            <a:fontRef idx="minor">
+              <a:schemeClr val="lt1"/>
+            </a:fontRef>
+          </p:style>
+          <p:txBody>
+            <a:bodyPr rtlCol="0" anchor="ctr"/>
+            <a:lstStyle/>
+            <a:p>
+              <a:pPr algn="ctr"/>
+              <a:endParaRPr lang="ru-RU"/>
+            </a:p>
+          </p:txBody>
+        </p:sp>
+        <p:pic>
+          <p:nvPicPr>
+            <p:cNvPr id="7" name="Рисунок 6">
+              <a:extLst>
+                <a:ext uri="{FF2B5EF4-FFF2-40B4-BE49-F238E27FC236}">
+                  <a16:creationId xmlns:a16="http://schemas.microsoft.com/office/drawing/2014/main" id="{E699CAFC-4AE3-F28D-A2EF-89981207DB11}"/>
+                </a:ext>
+              </a:extLst>
+            </p:cNvPr>
+            <p:cNvPicPr>
+              <a:picLocks noChangeAspect="1"/>
+            </p:cNvPicPr>
+            <p:nvPr/>
+          </p:nvPicPr>
+          <p:blipFill>
+            <a:blip r:embed="rId4"/>
+            <a:stretch>
+              <a:fillRect/>
+            </a:stretch>
+          </p:blipFill>
+          <p:spPr>
+            <a:xfrm>
+              <a:off x="7003523" y="4469001"/>
+              <a:ext cx="1876687" cy="1876687"/>
+            </a:xfrm>
+            <a:prstGeom prst="rect">
+              <a:avLst/>
+            </a:prstGeom>
+          </p:spPr>
+        </p:pic>
+      </p:grpSp>
     </p:spTree>
     <p:extLst>
       <p:ext uri="{BB962C8B-B14F-4D97-AF65-F5344CB8AC3E}">
@@ -7428,6 +7534,513 @@
     <p:bg>
       <p:bgPr>
         <a:solidFill>
+          <a:schemeClr val="bg1"/>
+        </a:solidFill>
+        <a:effectLst/>
+      </p:bgPr>
+    </p:bg>
+    <p:spTree>
+      <p:nvGrpSpPr>
+        <p:cNvPr id="1" name=""/>
+        <p:cNvGrpSpPr/>
+        <p:nvPr/>
+      </p:nvGrpSpPr>
+      <p:grpSpPr>
+        <a:xfrm>
+          <a:off x="0" y="0"/>
+          <a:ext cx="0" cy="0"/>
+          <a:chOff x="0" y="0"/>
+          <a:chExt cx="0" cy="0"/>
+        </a:xfrm>
+      </p:grpSpPr>
+      <p:sp>
+        <p:nvSpPr>
+          <p:cNvPr id="8" name="Rectangle 7">
+            <a:extLst>
+              <a:ext uri="{FF2B5EF4-FFF2-40B4-BE49-F238E27FC236}">
+                <a16:creationId xmlns:a16="http://schemas.microsoft.com/office/drawing/2014/main" id="{E8A8EAB8-D2FF-444D-B34B-7D32F106AD0E}"/>
+              </a:ext>
+              <a:ext uri="{C183D7F6-B498-43B3-948B-1728B52AA6E4}">
+                <adec:decorative xmlns:adec="http://schemas.microsoft.com/office/drawing/2017/decorative" val="1"/>
+              </a:ext>
+            </a:extLst>
+          </p:cNvPr>
+          <p:cNvSpPr>
+            <a:spLocks noGrp="1" noRot="1" noChangeAspect="1" noMove="1" noResize="1" noEditPoints="1" noAdjustHandles="1" noChangeArrowheads="1" noChangeShapeType="1" noTextEdit="1"/>
+          </p:cNvSpPr>
+          <p:nvPr>
+            <p:extLst>
+              <p:ext uri="{386F3935-93C4-4BCD-93E2-E3B085C9AB24}">
+                <p16:designElem xmlns:p16="http://schemas.microsoft.com/office/powerpoint/2015/main" val="1"/>
+              </p:ext>
+            </p:extLst>
+          </p:nvPr>
+        </p:nvSpPr>
+        <p:spPr>
+          <a:xfrm>
+            <a:off x="0" y="0"/>
+            <a:ext cx="12192000" cy="6858000"/>
+          </a:xfrm>
+          <a:prstGeom prst="rect">
+            <a:avLst/>
+          </a:prstGeom>
+          <a:solidFill>
+            <a:schemeClr val="tx1">
+              <a:lumMod val="95000"/>
+              <a:lumOff val="5000"/>
+            </a:schemeClr>
+          </a:solidFill>
+          <a:ln>
+            <a:noFill/>
+          </a:ln>
+        </p:spPr>
+        <p:style>
+          <a:lnRef idx="2">
+            <a:schemeClr val="accent1">
+              <a:shade val="50000"/>
+            </a:schemeClr>
+          </a:lnRef>
+          <a:fillRef idx="1">
+            <a:schemeClr val="accent1"/>
+          </a:fillRef>
+          <a:effectRef idx="0">
+            <a:schemeClr val="accent1"/>
+          </a:effectRef>
+          <a:fontRef idx="minor">
+            <a:schemeClr val="lt1"/>
+          </a:fontRef>
+        </p:style>
+        <p:txBody>
+          <a:bodyPr rtlCol="0" anchor="ctr"/>
+          <a:lstStyle/>
+          <a:p>
+            <a:pPr algn="ctr"/>
+            <a:endParaRPr lang="en-US" dirty="0">
+              <a:solidFill>
+                <a:schemeClr val="bg1"/>
+              </a:solidFill>
+            </a:endParaRPr>
+          </a:p>
+        </p:txBody>
+      </p:sp>
+      <p:sp>
+        <p:nvSpPr>
+          <p:cNvPr id="2" name="Заголовок 1">
+            <a:extLst>
+              <a:ext uri="{FF2B5EF4-FFF2-40B4-BE49-F238E27FC236}">
+                <a16:creationId xmlns:a16="http://schemas.microsoft.com/office/drawing/2014/main" id="{FE546596-7C19-B9F7-296B-7D9A7E23EA65}"/>
+              </a:ext>
+            </a:extLst>
+          </p:cNvPr>
+          <p:cNvSpPr>
+            <a:spLocks noGrp="1"/>
+          </p:cNvSpPr>
+          <p:nvPr>
+            <p:ph type="ctrTitle"/>
+          </p:nvPr>
+        </p:nvSpPr>
+        <p:spPr>
+          <a:xfrm>
+            <a:off x="1014141" y="1450655"/>
+            <a:ext cx="3932030" cy="3956690"/>
+          </a:xfrm>
+        </p:spPr>
+        <p:txBody>
+          <a:bodyPr vert="horz" lIns="91440" tIns="45720" rIns="91440" bIns="45720" rtlCol="0" anchor="ctr">
+            <a:normAutofit/>
+          </a:bodyPr>
+          <a:lstStyle/>
+          <a:p>
+            <a:pPr algn="l"/>
+            <a:r>
+              <a:rPr lang="ru-RU" sz="4400" kern="1200" dirty="0">
+                <a:solidFill>
+                  <a:schemeClr val="bg1"/>
+                </a:solidFill>
+                <a:latin typeface="+mj-lt"/>
+                <a:ea typeface="+mj-ea"/>
+                <a:cs typeface="+mj-cs"/>
+              </a:rPr>
+              <a:t>В</a:t>
+            </a:r>
+            <a:r>
+              <a:rPr lang="en-US" sz="4400" kern="1200" dirty="0">
+                <a:solidFill>
+                  <a:schemeClr val="bg1"/>
+                </a:solidFill>
+                <a:latin typeface="+mj-lt"/>
+                <a:ea typeface="+mj-ea"/>
+                <a:cs typeface="+mj-cs"/>
+              </a:rPr>
+              <a:t>алидация алгоритмов сегментации КТ изображений</a:t>
+            </a:r>
+          </a:p>
+        </p:txBody>
+      </p:sp>
+      <p:cxnSp>
+        <p:nvCxnSpPr>
+          <p:cNvPr id="10" name="Straight Connector 9">
+            <a:extLst>
+              <a:ext uri="{FF2B5EF4-FFF2-40B4-BE49-F238E27FC236}">
+                <a16:creationId xmlns:a16="http://schemas.microsoft.com/office/drawing/2014/main" id="{067633D1-6EE6-4118-B9F0-B363477BEE7A}"/>
+              </a:ext>
+              <a:ext uri="{C183D7F6-B498-43B3-948B-1728B52AA6E4}">
+                <adec:decorative xmlns:adec="http://schemas.microsoft.com/office/drawing/2017/decorative" val="1"/>
+              </a:ext>
+            </a:extLst>
+          </p:cNvPr>
+          <p:cNvCxnSpPr>
+            <a:cxnSpLocks noGrp="1" noRot="1" noChangeAspect="1" noMove="1" noResize="1" noEditPoints="1" noAdjustHandles="1" noChangeArrowheads="1" noChangeShapeType="1"/>
+          </p:cNvCxnSpPr>
+          <p:nvPr>
+            <p:extLst>
+              <p:ext uri="{386F3935-93C4-4BCD-93E2-E3B085C9AB24}">
+                <p16:designElem xmlns:p16="http://schemas.microsoft.com/office/powerpoint/2015/main" val="1"/>
+              </p:ext>
+            </p:extLst>
+          </p:nvPr>
+        </p:nvCxnSpPr>
+        <p:spPr>
+          <a:xfrm flipH="1">
+            <a:off x="1014141" y="1450655"/>
+            <a:ext cx="3932030" cy="0"/>
+          </a:xfrm>
+          <a:prstGeom prst="line">
+            <a:avLst/>
+          </a:prstGeom>
+          <a:ln w="12700">
+            <a:solidFill>
+              <a:schemeClr val="accent2"/>
+            </a:solidFill>
+          </a:ln>
+        </p:spPr>
+        <p:style>
+          <a:lnRef idx="1">
+            <a:schemeClr val="accent1"/>
+          </a:lnRef>
+          <a:fillRef idx="0">
+            <a:schemeClr val="accent1"/>
+          </a:fillRef>
+          <a:effectRef idx="0">
+            <a:schemeClr val="accent1"/>
+          </a:effectRef>
+          <a:fontRef idx="minor">
+            <a:schemeClr val="tx1"/>
+          </a:fontRef>
+        </p:style>
+      </p:cxnSp>
+      <p:cxnSp>
+        <p:nvCxnSpPr>
+          <p:cNvPr id="42" name="Straight Connector 11">
+            <a:extLst>
+              <a:ext uri="{FF2B5EF4-FFF2-40B4-BE49-F238E27FC236}">
+                <a16:creationId xmlns:a16="http://schemas.microsoft.com/office/drawing/2014/main" id="{4AD7FFC6-42A9-49CB-B5E9-B3F6B038331B}"/>
+              </a:ext>
+              <a:ext uri="{C183D7F6-B498-43B3-948B-1728B52AA6E4}">
+                <adec:decorative xmlns:adec="http://schemas.microsoft.com/office/drawing/2017/decorative" val="1"/>
+              </a:ext>
+            </a:extLst>
+          </p:cNvPr>
+          <p:cNvCxnSpPr>
+            <a:cxnSpLocks noGrp="1" noRot="1" noChangeAspect="1" noMove="1" noResize="1" noEditPoints="1" noAdjustHandles="1" noChangeArrowheads="1" noChangeShapeType="1"/>
+          </p:cNvCxnSpPr>
+          <p:nvPr>
+            <p:extLst>
+              <p:ext uri="{386F3935-93C4-4BCD-93E2-E3B085C9AB24}">
+                <p16:designElem xmlns:p16="http://schemas.microsoft.com/office/powerpoint/2015/main" val="1"/>
+              </p:ext>
+            </p:extLst>
+          </p:nvPr>
+        </p:nvCxnSpPr>
+        <p:spPr>
+          <a:xfrm flipH="1">
+            <a:off x="1014141" y="5408571"/>
+            <a:ext cx="3932030" cy="0"/>
+          </a:xfrm>
+          <a:prstGeom prst="line">
+            <a:avLst/>
+          </a:prstGeom>
+          <a:ln w="12700">
+            <a:solidFill>
+              <a:schemeClr val="accent2"/>
+            </a:solidFill>
+          </a:ln>
+        </p:spPr>
+        <p:style>
+          <a:lnRef idx="1">
+            <a:schemeClr val="accent1"/>
+          </a:lnRef>
+          <a:fillRef idx="0">
+            <a:schemeClr val="accent1"/>
+          </a:fillRef>
+          <a:effectRef idx="0">
+            <a:schemeClr val="accent1"/>
+          </a:effectRef>
+          <a:fontRef idx="minor">
+            <a:schemeClr val="tx1"/>
+          </a:fontRef>
+        </p:style>
+      </p:cxnSp>
+      <p:sp>
+        <p:nvSpPr>
+          <p:cNvPr id="3" name="Подзаголовок 2">
+            <a:extLst>
+              <a:ext uri="{FF2B5EF4-FFF2-40B4-BE49-F238E27FC236}">
+                <a16:creationId xmlns:a16="http://schemas.microsoft.com/office/drawing/2014/main" id="{701876C9-4F4F-D606-E4BD-3C827EB762B9}"/>
+              </a:ext>
+            </a:extLst>
+          </p:cNvPr>
+          <p:cNvSpPr>
+            <a:spLocks noGrp="1"/>
+          </p:cNvSpPr>
+          <p:nvPr>
+            <p:ph type="subTitle" idx="1"/>
+          </p:nvPr>
+        </p:nvSpPr>
+        <p:spPr>
+          <a:xfrm>
+            <a:off x="6096000" y="2235726"/>
+            <a:ext cx="5008901" cy="2061266"/>
+          </a:xfrm>
+        </p:spPr>
+        <p:txBody>
+          <a:bodyPr vert="horz" lIns="91440" tIns="45720" rIns="91440" bIns="45720" rtlCol="0" anchor="ctr">
+            <a:normAutofit lnSpcReduction="10000"/>
+          </a:bodyPr>
+          <a:lstStyle/>
+          <a:p>
+            <a:pPr indent="-228600" algn="l">
+              <a:buFont typeface="Arial" panose="020B0604020202020204" pitchFamily="34" charset="0"/>
+              <a:buChar char="•"/>
+            </a:pPr>
+            <a:r>
+              <a:rPr lang="en-US" sz="2000" dirty="0">
+                <a:solidFill>
+                  <a:schemeClr val="bg1"/>
+                </a:solidFill>
+                <a:effectLst/>
+              </a:rPr>
+              <a:t>Автор: Киселёв Игорь Леонидович (</a:t>
+            </a:r>
+            <a:r>
+              <a:rPr lang="en-US" sz="2000" dirty="0">
+                <a:solidFill>
+                  <a:schemeClr val="bg1"/>
+                </a:solidFill>
+                <a:effectLst/>
+                <a:hlinkClick r:id="rId2"/>
+              </a:rPr>
+              <a:t>kigorleo@gmail.com</a:t>
+            </a:r>
+            <a:r>
+              <a:rPr lang="en-US" sz="2000" dirty="0">
+                <a:solidFill>
+                  <a:schemeClr val="bg1"/>
+                </a:solidFill>
+                <a:effectLst/>
+              </a:rPr>
+              <a:t>)</a:t>
+            </a:r>
+            <a:endParaRPr lang="ru-RU" sz="2000" dirty="0">
+              <a:solidFill>
+                <a:schemeClr val="bg1"/>
+              </a:solidFill>
+              <a:effectLst/>
+            </a:endParaRPr>
+          </a:p>
+          <a:p>
+            <a:pPr indent="-228600" algn="l">
+              <a:buFont typeface="Arial" panose="020B0604020202020204" pitchFamily="34" charset="0"/>
+              <a:buChar char="•"/>
+            </a:pPr>
+            <a:r>
+              <a:rPr lang="en-US" sz="2000" dirty="0">
+                <a:solidFill>
+                  <a:schemeClr val="bg1"/>
+                </a:solidFill>
+                <a:effectLst/>
+              </a:rPr>
+              <a:t>Куратор: Авдонин Александр (</a:t>
+            </a:r>
+            <a:r>
+              <a:rPr lang="en-US" sz="2000" dirty="0">
+                <a:solidFill>
+                  <a:schemeClr val="bg1"/>
+                </a:solidFill>
+                <a:effectLst/>
+                <a:hlinkClick r:id="rId3"/>
+              </a:rPr>
+              <a:t>avdonin.as@gazpromneft-ntc.ru</a:t>
+            </a:r>
+            <a:r>
+              <a:rPr lang="en-US" sz="2000" dirty="0">
+                <a:solidFill>
+                  <a:schemeClr val="bg1"/>
+                </a:solidFill>
+                <a:effectLst/>
+              </a:rPr>
+              <a:t>)</a:t>
+            </a:r>
+            <a:endParaRPr lang="ru-RU" sz="2000" dirty="0">
+              <a:solidFill>
+                <a:schemeClr val="bg1"/>
+              </a:solidFill>
+            </a:endParaRPr>
+          </a:p>
+          <a:p>
+            <a:pPr indent="-228600" algn="l">
+              <a:buFont typeface="Arial" panose="020B0604020202020204" pitchFamily="34" charset="0"/>
+              <a:buChar char="•"/>
+            </a:pPr>
+            <a:r>
+              <a:rPr lang="en-US" sz="2000" dirty="0">
+                <a:solidFill>
+                  <a:schemeClr val="bg1"/>
+                </a:solidFill>
+                <a:effectLst/>
+              </a:rPr>
+              <a:t>Сроки работы над проектом: 14.03.2022 – 24.05.2022 </a:t>
+            </a:r>
+            <a:br>
+              <a:rPr lang="en-US" sz="2000" dirty="0">
+                <a:solidFill>
+                  <a:schemeClr val="bg1"/>
+                </a:solidFill>
+                <a:effectLst/>
+              </a:rPr>
+            </a:br>
+            <a:endParaRPr lang="en-US" sz="2000" dirty="0">
+              <a:solidFill>
+                <a:schemeClr val="bg1"/>
+              </a:solidFill>
+            </a:endParaRPr>
+          </a:p>
+        </p:txBody>
+      </p:sp>
+      <p:grpSp>
+        <p:nvGrpSpPr>
+          <p:cNvPr id="12" name="Группа 11">
+            <a:extLst>
+              <a:ext uri="{FF2B5EF4-FFF2-40B4-BE49-F238E27FC236}">
+                <a16:creationId xmlns:a16="http://schemas.microsoft.com/office/drawing/2014/main" id="{E46FB267-B080-3341-F310-9E05E11B700E}"/>
+              </a:ext>
+            </a:extLst>
+          </p:cNvPr>
+          <p:cNvGrpSpPr/>
+          <p:nvPr/>
+        </p:nvGrpSpPr>
+        <p:grpSpPr>
+          <a:xfrm>
+            <a:off x="9560403" y="4226404"/>
+            <a:ext cx="2238018" cy="2238018"/>
+            <a:chOff x="6822858" y="4277388"/>
+            <a:chExt cx="2238018" cy="2238018"/>
+          </a:xfrm>
+        </p:grpSpPr>
+        <p:sp>
+          <p:nvSpPr>
+            <p:cNvPr id="11" name="Прямоугольник 10">
+              <a:extLst>
+                <a:ext uri="{FF2B5EF4-FFF2-40B4-BE49-F238E27FC236}">
+                  <a16:creationId xmlns:a16="http://schemas.microsoft.com/office/drawing/2014/main" id="{4E3637DC-760D-81F7-27B3-FA17CB4B2F25}"/>
+                </a:ext>
+              </a:extLst>
+            </p:cNvPr>
+            <p:cNvSpPr/>
+            <p:nvPr/>
+          </p:nvSpPr>
+          <p:spPr>
+            <a:xfrm>
+              <a:off x="6822858" y="4277388"/>
+              <a:ext cx="2238018" cy="2238018"/>
+            </a:xfrm>
+            <a:prstGeom prst="rect">
+              <a:avLst/>
+            </a:prstGeom>
+            <a:solidFill>
+              <a:schemeClr val="bg1"/>
+            </a:solidFill>
+            <a:ln>
+              <a:solidFill>
+                <a:schemeClr val="accent2"/>
+              </a:solidFill>
+            </a:ln>
+          </p:spPr>
+          <p:style>
+            <a:lnRef idx="2">
+              <a:schemeClr val="accent1">
+                <a:shade val="50000"/>
+              </a:schemeClr>
+            </a:lnRef>
+            <a:fillRef idx="1">
+              <a:schemeClr val="accent1"/>
+            </a:fillRef>
+            <a:effectRef idx="0">
+              <a:schemeClr val="accent1"/>
+            </a:effectRef>
+            <a:fontRef idx="minor">
+              <a:schemeClr val="lt1"/>
+            </a:fontRef>
+          </p:style>
+          <p:txBody>
+            <a:bodyPr rtlCol="0" anchor="ctr"/>
+            <a:lstStyle/>
+            <a:p>
+              <a:pPr algn="ctr"/>
+              <a:endParaRPr lang="ru-RU"/>
+            </a:p>
+          </p:txBody>
+        </p:sp>
+        <p:pic>
+          <p:nvPicPr>
+            <p:cNvPr id="7" name="Рисунок 6">
+              <a:extLst>
+                <a:ext uri="{FF2B5EF4-FFF2-40B4-BE49-F238E27FC236}">
+                  <a16:creationId xmlns:a16="http://schemas.microsoft.com/office/drawing/2014/main" id="{E699CAFC-4AE3-F28D-A2EF-89981207DB11}"/>
+                </a:ext>
+              </a:extLst>
+            </p:cNvPr>
+            <p:cNvPicPr>
+              <a:picLocks noChangeAspect="1"/>
+            </p:cNvPicPr>
+            <p:nvPr/>
+          </p:nvPicPr>
+          <p:blipFill>
+            <a:blip r:embed="rId4"/>
+            <a:stretch>
+              <a:fillRect/>
+            </a:stretch>
+          </p:blipFill>
+          <p:spPr>
+            <a:xfrm>
+              <a:off x="7003523" y="4469001"/>
+              <a:ext cx="1876687" cy="1876687"/>
+            </a:xfrm>
+            <a:prstGeom prst="rect">
+              <a:avLst/>
+            </a:prstGeom>
+          </p:spPr>
+        </p:pic>
+      </p:grpSp>
+    </p:spTree>
+    <p:extLst>
+      <p:ext uri="{BB962C8B-B14F-4D97-AF65-F5344CB8AC3E}">
+        <p14:creationId xmlns:p14="http://schemas.microsoft.com/office/powerpoint/2010/main" val="3046123417"/>
+      </p:ext>
+    </p:extLst>
+  </p:cSld>
+  <p:clrMapOvr>
+    <a:masterClrMapping/>
+  </p:clrMapOvr>
+</p:sld>
+</file>
+
+<file path=ppt/slides/slide16.xml><?xml version="1.0" encoding="utf-8"?>
+<p:sld xmlns:a="http://schemas.openxmlformats.org/drawingml/2006/main" xmlns:r="http://schemas.openxmlformats.org/officeDocument/2006/relationships" xmlns:p="http://schemas.openxmlformats.org/presentationml/2006/main">
+  <p:cSld>
+    <p:bg>
+      <p:bgPr>
+        <a:solidFill>
           <a:schemeClr val="tx1">
             <a:lumMod val="95000"/>
             <a:lumOff val="5000"/>
@@ -7607,7 +8220,7 @@
 </p:sld>
 </file>
 
-<file path=ppt/slides/slide16.xml><?xml version="1.0" encoding="utf-8"?>
+<file path=ppt/slides/slide17.xml><?xml version="1.0" encoding="utf-8"?>
 <p:sld xmlns:a="http://schemas.openxmlformats.org/drawingml/2006/main" xmlns:r="http://schemas.openxmlformats.org/officeDocument/2006/relationships" xmlns:p="http://schemas.openxmlformats.org/presentationml/2006/main">
   <p:cSld>
     <p:bg>

--- a/ОтчётV2.0.pptx
+++ b/ОтчётV2.0.pptx
@@ -7207,7 +7207,7 @@
                 <a:latin typeface="Times New Roman" panose="02020603050405020304" pitchFamily="18" charset="0"/>
                 <a:ea typeface="Times New Roman" panose="02020603050405020304" pitchFamily="18" charset="0"/>
               </a:rPr>
-              <a:t>, что позволит оптимально выбирать маркеры (метки) и увеличит точность результатов.</a:t>
+              <a:t>, что позволит оптимально выбирать целевую пористость и увеличит точность результатов.</a:t>
             </a:r>
             <a:endParaRPr lang="ru-RU" sz="2000" b="1" dirty="0">
               <a:solidFill>
@@ -7276,7 +7276,7 @@
                 <a:ea typeface="Times New Roman" panose="02020603050405020304" pitchFamily="18" charset="0"/>
                 <a:cs typeface="Times New Roman" panose="02020603050405020304" pitchFamily="18" charset="0"/>
               </a:rPr>
-              <a:t>Рассмотреть модели со сверхвысоким разрешением, что позволит смоделировать томографию с реальным разрешением модели, что также может привести к увеличению точности работы алгоритмов.</a:t>
+              <a:t>Рассмотреть модели со сверхвысоким разрешением. Это также позволит получить более реалистичный шум.</a:t>
             </a:r>
             <a:endParaRPr lang="ru-RU" sz="2000" dirty="0">
               <a:solidFill>

--- a/ОтчётV2.0.pptx
+++ b/ОтчётV2.0.pptx
@@ -21,7 +21,8 @@
     <p:sldId id="276" r:id="rId15"/>
     <p:sldId id="279" r:id="rId16"/>
     <p:sldId id="272" r:id="rId17"/>
-    <p:sldId id="278" r:id="rId18"/>
+    <p:sldId id="281" r:id="rId18"/>
+    <p:sldId id="278" r:id="rId19"/>
   </p:sldIdLst>
   <p:sldSz cx="12192000" cy="6858000"/>
   <p:notesSz cx="6858000" cy="9144000"/>
@@ -287,7 +288,7 @@
           <a:p>
             <a:fld id="{DDFEEDCF-F5FB-48B3-9CB0-E12B8504E8D1}" type="datetimeFigureOut">
               <a:rPr lang="ru-RU" smtClean="0"/>
-              <a:t>20.05.2022</a:t>
+              <a:t>23.05.2022</a:t>
             </a:fld>
             <a:endParaRPr lang="ru-RU" dirty="0"/>
           </a:p>
@@ -485,7 +486,7 @@
           <a:p>
             <a:fld id="{DDFEEDCF-F5FB-48B3-9CB0-E12B8504E8D1}" type="datetimeFigureOut">
               <a:rPr lang="ru-RU" smtClean="0"/>
-              <a:t>20.05.2022</a:t>
+              <a:t>23.05.2022</a:t>
             </a:fld>
             <a:endParaRPr lang="ru-RU" dirty="0"/>
           </a:p>
@@ -693,7 +694,7 @@
           <a:p>
             <a:fld id="{DDFEEDCF-F5FB-48B3-9CB0-E12B8504E8D1}" type="datetimeFigureOut">
               <a:rPr lang="ru-RU" smtClean="0"/>
-              <a:t>20.05.2022</a:t>
+              <a:t>23.05.2022</a:t>
             </a:fld>
             <a:endParaRPr lang="ru-RU" dirty="0"/>
           </a:p>
@@ -891,7 +892,7 @@
           <a:p>
             <a:fld id="{DDFEEDCF-F5FB-48B3-9CB0-E12B8504E8D1}" type="datetimeFigureOut">
               <a:rPr lang="ru-RU" smtClean="0"/>
-              <a:t>20.05.2022</a:t>
+              <a:t>23.05.2022</a:t>
             </a:fld>
             <a:endParaRPr lang="ru-RU" dirty="0"/>
           </a:p>
@@ -1166,7 +1167,7 @@
           <a:p>
             <a:fld id="{DDFEEDCF-F5FB-48B3-9CB0-E12B8504E8D1}" type="datetimeFigureOut">
               <a:rPr lang="ru-RU" smtClean="0"/>
-              <a:t>20.05.2022</a:t>
+              <a:t>23.05.2022</a:t>
             </a:fld>
             <a:endParaRPr lang="ru-RU" dirty="0"/>
           </a:p>
@@ -1431,7 +1432,7 @@
           <a:p>
             <a:fld id="{DDFEEDCF-F5FB-48B3-9CB0-E12B8504E8D1}" type="datetimeFigureOut">
               <a:rPr lang="ru-RU" smtClean="0"/>
-              <a:t>20.05.2022</a:t>
+              <a:t>23.05.2022</a:t>
             </a:fld>
             <a:endParaRPr lang="ru-RU" dirty="0"/>
           </a:p>
@@ -1843,7 +1844,7 @@
           <a:p>
             <a:fld id="{DDFEEDCF-F5FB-48B3-9CB0-E12B8504E8D1}" type="datetimeFigureOut">
               <a:rPr lang="ru-RU" smtClean="0"/>
-              <a:t>20.05.2022</a:t>
+              <a:t>23.05.2022</a:t>
             </a:fld>
             <a:endParaRPr lang="ru-RU" dirty="0"/>
           </a:p>
@@ -1984,7 +1985,7 @@
           <a:p>
             <a:fld id="{DDFEEDCF-F5FB-48B3-9CB0-E12B8504E8D1}" type="datetimeFigureOut">
               <a:rPr lang="ru-RU" smtClean="0"/>
-              <a:t>20.05.2022</a:t>
+              <a:t>23.05.2022</a:t>
             </a:fld>
             <a:endParaRPr lang="ru-RU" dirty="0"/>
           </a:p>
@@ -2097,7 +2098,7 @@
           <a:p>
             <a:fld id="{DDFEEDCF-F5FB-48B3-9CB0-E12B8504E8D1}" type="datetimeFigureOut">
               <a:rPr lang="ru-RU" smtClean="0"/>
-              <a:t>20.05.2022</a:t>
+              <a:t>23.05.2022</a:t>
             </a:fld>
             <a:endParaRPr lang="ru-RU" dirty="0"/>
           </a:p>
@@ -2408,7 +2409,7 @@
           <a:p>
             <a:fld id="{DDFEEDCF-F5FB-48B3-9CB0-E12B8504E8D1}" type="datetimeFigureOut">
               <a:rPr lang="ru-RU" smtClean="0"/>
-              <a:t>20.05.2022</a:t>
+              <a:t>23.05.2022</a:t>
             </a:fld>
             <a:endParaRPr lang="ru-RU" dirty="0"/>
           </a:p>
@@ -2696,7 +2697,7 @@
           <a:p>
             <a:fld id="{DDFEEDCF-F5FB-48B3-9CB0-E12B8504E8D1}" type="datetimeFigureOut">
               <a:rPr lang="ru-RU" smtClean="0"/>
-              <a:t>20.05.2022</a:t>
+              <a:t>23.05.2022</a:t>
             </a:fld>
             <a:endParaRPr lang="ru-RU" dirty="0"/>
           </a:p>
@@ -2937,7 +2938,7 @@
           <a:p>
             <a:fld id="{DDFEEDCF-F5FB-48B3-9CB0-E12B8504E8D1}" type="datetimeFigureOut">
               <a:rPr lang="ru-RU" smtClean="0"/>
-              <a:t>20.05.2022</a:t>
+              <a:t>23.05.2022</a:t>
             </a:fld>
             <a:endParaRPr lang="ru-RU" dirty="0"/>
           </a:p>
@@ -3796,7 +3797,7 @@
             <a:lstStyle/>
             <a:p>
               <a:pPr algn="ctr"/>
-              <a:endParaRPr lang="ru-RU"/>
+              <a:endParaRPr lang="ru-RU" dirty="0"/>
             </a:p>
           </p:txBody>
         </p:sp>
@@ -5317,8 +5318,18 @@
                   <a:schemeClr val="bg1"/>
                 </a:solidFill>
               </a:rPr>
-              <a:t>вводим минимальное и максимальное значение для границы, а далее анализ локальных супремумов</a:t>
-            </a:r>
+              <a:t>вводим минимальное и максимальное значение для границы, а далее строим карту высот и эмулируем заполнение водой</a:t>
+            </a:r>
+            <a:endParaRPr lang="en-US" sz="2000" dirty="0">
+              <a:solidFill>
+                <a:schemeClr val="bg1"/>
+              </a:solidFill>
+            </a:endParaRPr>
+          </a:p>
+          <a:p>
+            <a:pPr marL="457200" lvl="1" indent="0">
+              <a:buNone/>
+            </a:pPr>
             <a:endParaRPr lang="en-US" sz="2000" dirty="0">
               <a:solidFill>
                 <a:schemeClr val="bg1"/>
@@ -5841,7 +5852,7 @@
         <p:spPr>
           <a:xfrm>
             <a:off x="1295399" y="4304159"/>
-            <a:ext cx="6095999" cy="2416549"/>
+            <a:ext cx="6223987" cy="2416549"/>
           </a:xfrm>
           <a:prstGeom prst="rect">
             <a:avLst/>
@@ -6085,7 +6096,7 @@
                   <a:schemeClr val="bg1"/>
                 </a:solidFill>
               </a:rPr>
-              <a:t>вводим минимальное и максимальное значение для границы, а далее анализ локальных супремумов</a:t>
+              <a:t>вводим минимальное и максимальное значение для границы, а далее строим карту высот и эмулируем заполнение водой</a:t>
             </a:r>
             <a:endParaRPr lang="en-US" sz="2000" dirty="0">
               <a:solidFill>
@@ -7987,7 +7998,7 @@
             <a:lstStyle/>
             <a:p>
               <a:pPr algn="ctr"/>
-              <a:endParaRPr lang="ru-RU"/>
+              <a:endParaRPr lang="ru-RU" dirty="0"/>
             </a:p>
           </p:txBody>
         </p:sp>
@@ -8221,6 +8232,376 @@
 </file>
 
 <file path=ppt/slides/slide17.xml><?xml version="1.0" encoding="utf-8"?>
+<p:sld xmlns:a="http://schemas.openxmlformats.org/drawingml/2006/main" xmlns:r="http://schemas.openxmlformats.org/officeDocument/2006/relationships" xmlns:p="http://schemas.openxmlformats.org/presentationml/2006/main">
+  <p:cSld>
+    <p:bg>
+      <p:bgPr>
+        <a:solidFill>
+          <a:schemeClr val="tx1">
+            <a:lumMod val="95000"/>
+            <a:lumOff val="5000"/>
+          </a:schemeClr>
+        </a:solidFill>
+        <a:effectLst/>
+      </p:bgPr>
+    </p:bg>
+    <p:spTree>
+      <p:nvGrpSpPr>
+        <p:cNvPr id="1" name=""/>
+        <p:cNvGrpSpPr/>
+        <p:nvPr/>
+      </p:nvGrpSpPr>
+      <p:grpSpPr>
+        <a:xfrm>
+          <a:off x="0" y="0"/>
+          <a:ext cx="0" cy="0"/>
+          <a:chOff x="0" y="0"/>
+          <a:chExt cx="0" cy="0"/>
+        </a:xfrm>
+      </p:grpSpPr>
+      <p:sp>
+        <p:nvSpPr>
+          <p:cNvPr id="2" name="Заголовок 1">
+            <a:extLst>
+              <a:ext uri="{FF2B5EF4-FFF2-40B4-BE49-F238E27FC236}">
+                <a16:creationId xmlns:a16="http://schemas.microsoft.com/office/drawing/2014/main" id="{28AA9797-B3F1-4225-9664-E599451CCA47}"/>
+              </a:ext>
+            </a:extLst>
+          </p:cNvPr>
+          <p:cNvSpPr>
+            <a:spLocks noGrp="1"/>
+          </p:cNvSpPr>
+          <p:nvPr>
+            <p:ph type="title"/>
+          </p:nvPr>
+        </p:nvSpPr>
+        <p:spPr/>
+        <p:txBody>
+          <a:bodyPr/>
+          <a:lstStyle/>
+          <a:p>
+            <a:pPr algn="ctr"/>
+            <a:r>
+              <a:rPr lang="ru-RU" dirty="0">
+                <a:solidFill>
+                  <a:schemeClr val="bg1"/>
+                </a:solidFill>
+              </a:rPr>
+              <a:t>3</a:t>
+            </a:r>
+            <a:r>
+              <a:rPr lang="en-US" dirty="0">
+                <a:solidFill>
+                  <a:schemeClr val="bg1"/>
+                </a:solidFill>
+              </a:rPr>
+              <a:t>D</a:t>
+            </a:r>
+            <a:r>
+              <a:rPr lang="ru-RU" dirty="0">
+                <a:solidFill>
+                  <a:schemeClr val="bg1"/>
+                </a:solidFill>
+              </a:rPr>
+              <a:t> модели кернов</a:t>
+            </a:r>
+          </a:p>
+        </p:txBody>
+      </p:sp>
+      <p:grpSp>
+        <p:nvGrpSpPr>
+          <p:cNvPr id="12" name="Группа 11">
+            <a:extLst>
+              <a:ext uri="{FF2B5EF4-FFF2-40B4-BE49-F238E27FC236}">
+                <a16:creationId xmlns:a16="http://schemas.microsoft.com/office/drawing/2014/main" id="{9A533AF1-9A59-5BDB-4D0C-29DFA1A99B14}"/>
+              </a:ext>
+            </a:extLst>
+          </p:cNvPr>
+          <p:cNvGrpSpPr/>
+          <p:nvPr/>
+        </p:nvGrpSpPr>
+        <p:grpSpPr>
+          <a:xfrm>
+            <a:off x="727969" y="1818705"/>
+            <a:ext cx="4674170" cy="4674170"/>
+            <a:chOff x="1231008" y="1842142"/>
+            <a:chExt cx="4674170" cy="4674170"/>
+          </a:xfrm>
+        </p:grpSpPr>
+        <p:pic>
+          <p:nvPicPr>
+            <p:cNvPr id="4" name="Рисунок 3" descr="Изображение выглядит как текст, конверт, визитка&#10;&#10;Автоматически созданное описание">
+              <a:extLst>
+                <a:ext uri="{FF2B5EF4-FFF2-40B4-BE49-F238E27FC236}">
+                  <a16:creationId xmlns:a16="http://schemas.microsoft.com/office/drawing/2014/main" id="{A900F7A7-4F32-2B7F-6FBF-C7AEB9399F20}"/>
+                </a:ext>
+              </a:extLst>
+            </p:cNvPr>
+            <p:cNvPicPr>
+              <a:picLocks noChangeAspect="1"/>
+            </p:cNvPicPr>
+            <p:nvPr/>
+          </p:nvPicPr>
+          <p:blipFill>
+            <a:blip r:embed="rId2">
+              <a:clrChange>
+                <a:clrFrom>
+                  <a:srgbClr val="000000"/>
+                </a:clrFrom>
+                <a:clrTo>
+                  <a:srgbClr val="000000">
+                    <a:alpha val="0"/>
+                  </a:srgbClr>
+                </a:clrTo>
+              </a:clrChange>
+            </a:blip>
+            <a:stretch>
+              <a:fillRect/>
+            </a:stretch>
+          </p:blipFill>
+          <p:spPr>
+            <a:xfrm>
+              <a:off x="1467717" y="2357151"/>
+              <a:ext cx="4200753" cy="3644153"/>
+            </a:xfrm>
+            <a:prstGeom prst="rect">
+              <a:avLst/>
+            </a:prstGeom>
+          </p:spPr>
+        </p:pic>
+        <p:sp>
+          <p:nvSpPr>
+            <p:cNvPr id="10" name="Прямоугольник 9">
+              <a:extLst>
+                <a:ext uri="{FF2B5EF4-FFF2-40B4-BE49-F238E27FC236}">
+                  <a16:creationId xmlns:a16="http://schemas.microsoft.com/office/drawing/2014/main" id="{446E08B7-54F1-5BBC-FEA9-676426EE3110}"/>
+                </a:ext>
+              </a:extLst>
+            </p:cNvPr>
+            <p:cNvSpPr/>
+            <p:nvPr/>
+          </p:nvSpPr>
+          <p:spPr>
+            <a:xfrm>
+              <a:off x="1231008" y="1842142"/>
+              <a:ext cx="4674170" cy="4674170"/>
+            </a:xfrm>
+            <a:prstGeom prst="rect">
+              <a:avLst/>
+            </a:prstGeom>
+            <a:noFill/>
+            <a:ln>
+              <a:solidFill>
+                <a:schemeClr val="accent2"/>
+              </a:solidFill>
+            </a:ln>
+          </p:spPr>
+          <p:style>
+            <a:lnRef idx="2">
+              <a:schemeClr val="accent1">
+                <a:shade val="50000"/>
+              </a:schemeClr>
+            </a:lnRef>
+            <a:fillRef idx="1">
+              <a:schemeClr val="accent1"/>
+            </a:fillRef>
+            <a:effectRef idx="0">
+              <a:schemeClr val="accent1"/>
+            </a:effectRef>
+            <a:fontRef idx="minor">
+              <a:schemeClr val="lt1"/>
+            </a:fontRef>
+          </p:style>
+          <p:txBody>
+            <a:bodyPr rtlCol="0" anchor="ctr"/>
+            <a:lstStyle/>
+            <a:p>
+              <a:pPr algn="ctr"/>
+              <a:endParaRPr lang="ru-RU" dirty="0"/>
+            </a:p>
+          </p:txBody>
+        </p:sp>
+      </p:grpSp>
+      <p:grpSp>
+        <p:nvGrpSpPr>
+          <p:cNvPr id="13" name="Группа 12">
+            <a:extLst>
+              <a:ext uri="{FF2B5EF4-FFF2-40B4-BE49-F238E27FC236}">
+                <a16:creationId xmlns:a16="http://schemas.microsoft.com/office/drawing/2014/main" id="{D7EB8155-B940-A012-DB29-14FDA96F7EA3}"/>
+              </a:ext>
+            </a:extLst>
+          </p:cNvPr>
+          <p:cNvGrpSpPr/>
+          <p:nvPr/>
+        </p:nvGrpSpPr>
+        <p:grpSpPr>
+          <a:xfrm>
+            <a:off x="6679630" y="1818705"/>
+            <a:ext cx="4674170" cy="4674170"/>
+            <a:chOff x="6286824" y="1842142"/>
+            <a:chExt cx="4674170" cy="4674170"/>
+          </a:xfrm>
+        </p:grpSpPr>
+        <p:pic>
+          <p:nvPicPr>
+            <p:cNvPr id="5" name="Рисунок 4" descr="Изображение выглядит как канцелярские товары, конверт&#10;&#10;Автоматически созданное описание">
+              <a:extLst>
+                <a:ext uri="{FF2B5EF4-FFF2-40B4-BE49-F238E27FC236}">
+                  <a16:creationId xmlns:a16="http://schemas.microsoft.com/office/drawing/2014/main" id="{7784F725-65E3-A740-38F8-B72673FF1DC2}"/>
+                </a:ext>
+              </a:extLst>
+            </p:cNvPr>
+            <p:cNvPicPr>
+              <a:picLocks noChangeAspect="1"/>
+            </p:cNvPicPr>
+            <p:nvPr/>
+          </p:nvPicPr>
+          <p:blipFill>
+            <a:blip r:embed="rId3">
+              <a:clrChange>
+                <a:clrFrom>
+                  <a:srgbClr val="000000"/>
+                </a:clrFrom>
+                <a:clrTo>
+                  <a:srgbClr val="000000">
+                    <a:alpha val="0"/>
+                  </a:srgbClr>
+                </a:clrTo>
+              </a:clrChange>
+            </a:blip>
+            <a:stretch>
+              <a:fillRect/>
+            </a:stretch>
+          </p:blipFill>
+          <p:spPr>
+            <a:xfrm>
+              <a:off x="6523532" y="2357152"/>
+              <a:ext cx="4200752" cy="3602146"/>
+            </a:xfrm>
+            <a:prstGeom prst="rect">
+              <a:avLst/>
+            </a:prstGeom>
+          </p:spPr>
+        </p:pic>
+        <p:sp>
+          <p:nvSpPr>
+            <p:cNvPr id="11" name="Прямоугольник 10">
+              <a:extLst>
+                <a:ext uri="{FF2B5EF4-FFF2-40B4-BE49-F238E27FC236}">
+                  <a16:creationId xmlns:a16="http://schemas.microsoft.com/office/drawing/2014/main" id="{C58F16C8-2164-5F44-0E8F-D3A8A6F8DBB0}"/>
+                </a:ext>
+              </a:extLst>
+            </p:cNvPr>
+            <p:cNvSpPr/>
+            <p:nvPr/>
+          </p:nvSpPr>
+          <p:spPr>
+            <a:xfrm>
+              <a:off x="6286824" y="1842142"/>
+              <a:ext cx="4674170" cy="4674170"/>
+            </a:xfrm>
+            <a:prstGeom prst="rect">
+              <a:avLst/>
+            </a:prstGeom>
+            <a:noFill/>
+            <a:ln>
+              <a:solidFill>
+                <a:schemeClr val="accent2"/>
+              </a:solidFill>
+            </a:ln>
+          </p:spPr>
+          <p:style>
+            <a:lnRef idx="2">
+              <a:schemeClr val="accent1">
+                <a:shade val="50000"/>
+              </a:schemeClr>
+            </a:lnRef>
+            <a:fillRef idx="1">
+              <a:schemeClr val="accent1"/>
+            </a:fillRef>
+            <a:effectRef idx="0">
+              <a:schemeClr val="accent1"/>
+            </a:effectRef>
+            <a:fontRef idx="minor">
+              <a:schemeClr val="lt1"/>
+            </a:fontRef>
+          </p:style>
+          <p:txBody>
+            <a:bodyPr rtlCol="0" anchor="ctr"/>
+            <a:lstStyle/>
+            <a:p>
+              <a:pPr algn="ctr"/>
+              <a:endParaRPr lang="ru-RU" dirty="0"/>
+            </a:p>
+          </p:txBody>
+        </p:sp>
+      </p:grpSp>
+      <p:sp>
+        <p:nvSpPr>
+          <p:cNvPr id="14" name="Прямоугольник 13">
+            <a:extLst>
+              <a:ext uri="{FF2B5EF4-FFF2-40B4-BE49-F238E27FC236}">
+                <a16:creationId xmlns:a16="http://schemas.microsoft.com/office/drawing/2014/main" id="{BC0D2AEF-A290-C219-8E41-BF468CC31461}"/>
+              </a:ext>
+            </a:extLst>
+          </p:cNvPr>
+          <p:cNvSpPr/>
+          <p:nvPr/>
+        </p:nvSpPr>
+        <p:spPr>
+          <a:xfrm>
+            <a:off x="727969" y="365125"/>
+            <a:ext cx="10625831" cy="1174426"/>
+          </a:xfrm>
+          <a:prstGeom prst="rect">
+            <a:avLst/>
+          </a:prstGeom>
+          <a:noFill/>
+          <a:ln>
+            <a:solidFill>
+              <a:schemeClr val="accent2"/>
+            </a:solidFill>
+          </a:ln>
+        </p:spPr>
+        <p:style>
+          <a:lnRef idx="2">
+            <a:schemeClr val="accent1">
+              <a:shade val="50000"/>
+            </a:schemeClr>
+          </a:lnRef>
+          <a:fillRef idx="1">
+            <a:schemeClr val="accent1"/>
+          </a:fillRef>
+          <a:effectRef idx="0">
+            <a:schemeClr val="accent1"/>
+          </a:effectRef>
+          <a:fontRef idx="minor">
+            <a:schemeClr val="lt1"/>
+          </a:fontRef>
+        </p:style>
+        <p:txBody>
+          <a:bodyPr rtlCol="0" anchor="ctr"/>
+          <a:lstStyle/>
+          <a:p>
+            <a:pPr algn="ctr"/>
+            <a:endParaRPr lang="ru-RU"/>
+          </a:p>
+        </p:txBody>
+      </p:sp>
+    </p:spTree>
+    <p:extLst>
+      <p:ext uri="{BB962C8B-B14F-4D97-AF65-F5344CB8AC3E}">
+        <p14:creationId xmlns:p14="http://schemas.microsoft.com/office/powerpoint/2010/main" val="464415913"/>
+      </p:ext>
+    </p:extLst>
+  </p:cSld>
+  <p:clrMapOvr>
+    <a:masterClrMapping/>
+  </p:clrMapOvr>
+</p:sld>
+</file>
+
+<file path=ppt/slides/slide18.xml><?xml version="1.0" encoding="utf-8"?>
 <p:sld xmlns:a="http://schemas.openxmlformats.org/drawingml/2006/main" xmlns:r="http://schemas.openxmlformats.org/officeDocument/2006/relationships" xmlns:p="http://schemas.openxmlformats.org/presentationml/2006/main">
   <p:cSld>
     <p:bg>
@@ -9570,7 +9951,7 @@
                   <a:schemeClr val="bg1"/>
                 </a:solidFill>
               </a:rPr>
-              <a:t>Для расчёта рентабельности и разработки нефтяного месторождения необходимо знать ФЕС пласта</a:t>
+              <a:t>Для расчёта рентабельности и разработки нефтяного месторождения необходимо знать ФЕС пласта.</a:t>
             </a:r>
           </a:p>
           <a:p>
@@ -10424,7 +10805,7 @@
                   <a:schemeClr val="bg1"/>
                 </a:solidFill>
               </a:rPr>
-              <a:t>На основе новых метрик выявить лучший алгоритм сегментации из существующих.</a:t>
+              <a:t>На основе новых метрик выявить лучший алгоритм сегментации из рассматриваемых.</a:t>
             </a:r>
           </a:p>
         </p:txBody>
@@ -10992,7 +11373,7 @@
                 <a:ea typeface="Times New Roman" panose="02020603050405020304" pitchFamily="18" charset="0"/>
                 <a:cs typeface="Times New Roman" panose="02020603050405020304" pitchFamily="18" charset="0"/>
               </a:rPr>
-              <a:t>процент совпавших значений </a:t>
+              <a:t>процент совпавших значений. </a:t>
             </a:r>
           </a:p>
           <a:p>
@@ -11028,7 +11409,7 @@
                 <a:ea typeface="Times New Roman" panose="02020603050405020304" pitchFamily="18" charset="0"/>
                 <a:cs typeface="Times New Roman" panose="02020603050405020304" pitchFamily="18" charset="0"/>
               </a:rPr>
-              <a:t>КВЫТ (коэффициент вытеснения нефти водой) –какой процент нефти вытеснит вода при закачки в керн</a:t>
+              <a:t>КВЫТ (коэффициент вытеснения нефти водой) –какой процент нефти вытеснит вода при закачки в керн.</a:t>
             </a:r>
             <a:endParaRPr lang="ru-RU" sz="2000" dirty="0">
               <a:solidFill>
